--- a/MaxKuybus CS1030 Final.pptx
+++ b/MaxKuybus CS1030 Final.pptx
@@ -116,8 +116,55 @@
 </p:presentation>
 </file>
 
+<file path=ppt/revisionInfo.xml><?xml version="1.0" encoding="utf-8"?>
+<p1510:revInfo xmlns:a="http://schemas.openxmlformats.org/drawingml/2006/main" xmlns:r="http://schemas.openxmlformats.org/officeDocument/2006/relationships" xmlns:p1510="http://schemas.microsoft.com/office/powerpoint/2015/10/main">
+  <p1510:revLst>
+    <p1510:client id="{A654B9D4-98EF-4539-B245-081D23C3A409}" v="16" dt="2024-05-05T18:18:39.536"/>
+  </p1510:revLst>
+</p1510:revInfo>
+</file>
+
 <file path=ppt/changesInfos/changesInfo1.xml><?xml version="1.0" encoding="utf-8"?>
 <pc:chgInfo xmlns:a="http://schemas.openxmlformats.org/drawingml/2006/main" xmlns:r="http://schemas.openxmlformats.org/officeDocument/2006/relationships" xmlns:ac="http://schemas.microsoft.com/office/drawing/2013/main/command" xmlns:pc="http://schemas.microsoft.com/office/powerpoint/2013/main/command">
+  <pc:docChgLst>
+    <pc:chgData name="Max Kuybus" userId="2e5bbfef86f12241" providerId="Windows Live" clId="Web-{A654B9D4-98EF-4539-B245-081D23C3A409}"/>
+    <pc:docChg chg="modSld">
+      <pc:chgData name="Max Kuybus" userId="2e5bbfef86f12241" providerId="Windows Live" clId="Web-{A654B9D4-98EF-4539-B245-081D23C3A409}" dt="2024-05-05T18:18:39.536" v="15" actId="20577"/>
+      <pc:docMkLst>
+        <pc:docMk/>
+      </pc:docMkLst>
+      <pc:sldChg chg="modSp">
+        <pc:chgData name="Max Kuybus" userId="2e5bbfef86f12241" providerId="Windows Live" clId="Web-{A654B9D4-98EF-4539-B245-081D23C3A409}" dt="2024-05-05T18:18:39.536" v="15" actId="20577"/>
+        <pc:sldMkLst>
+          <pc:docMk/>
+          <pc:sldMk cId="2222136829" sldId="259"/>
+        </pc:sldMkLst>
+        <pc:spChg chg="mod">
+          <ac:chgData name="Max Kuybus" userId="2e5bbfef86f12241" providerId="Windows Live" clId="Web-{A654B9D4-98EF-4539-B245-081D23C3A409}" dt="2024-05-05T18:18:39.536" v="15" actId="20577"/>
+          <ac:spMkLst>
+            <pc:docMk/>
+            <pc:sldMk cId="2222136829" sldId="259"/>
+            <ac:spMk id="3" creationId="{E4EADD32-4E65-82A5-2317-CD8EC9D0700E}"/>
+          </ac:spMkLst>
+        </pc:spChg>
+      </pc:sldChg>
+      <pc:sldChg chg="modSp">
+        <pc:chgData name="Max Kuybus" userId="2e5bbfef86f12241" providerId="Windows Live" clId="Web-{A654B9D4-98EF-4539-B245-081D23C3A409}" dt="2024-05-05T17:45:48.183" v="2" actId="20577"/>
+        <pc:sldMkLst>
+          <pc:docMk/>
+          <pc:sldMk cId="4133092849" sldId="260"/>
+        </pc:sldMkLst>
+        <pc:spChg chg="mod">
+          <ac:chgData name="Max Kuybus" userId="2e5bbfef86f12241" providerId="Windows Live" clId="Web-{A654B9D4-98EF-4539-B245-081D23C3A409}" dt="2024-05-05T17:45:48.183" v="2" actId="20577"/>
+          <ac:spMkLst>
+            <pc:docMk/>
+            <pc:sldMk cId="4133092849" sldId="260"/>
+            <ac:spMk id="3" creationId="{E44B25E5-F2D6-F767-2D1E-E01219CCEC67}"/>
+          </ac:spMkLst>
+        </pc:spChg>
+      </pc:sldChg>
+    </pc:docChg>
+  </pc:docChgLst>
   <pc:docChgLst>
     <pc:chgData name="Britta Kuybus" userId="2a82966b855a5e2a" providerId="LiveId" clId="{4AB0F77A-3B0D-4140-8740-6EB9EC89B154}"/>
     <pc:docChg chg="modSld">
@@ -5936,7 +5983,7 @@
           <a:lstStyle/>
           <a:p>
             <a:r>
-              <a:rPr lang="en-US" dirty="0">
+              <a:rPr lang="en-US">
                 <a:ea typeface="Calibri Light"/>
                 <a:cs typeface="Calibri Light"/>
               </a:rPr>
@@ -5945,7 +5992,7 @@
           </a:p>
           <a:p>
             <a:r>
-              <a:rPr lang="en-US" dirty="0">
+              <a:rPr lang="en-US">
                 <a:ea typeface="Calibri Light"/>
                 <a:cs typeface="Calibri Light"/>
               </a:rPr>
@@ -5954,7 +6001,7 @@
           </a:p>
           <a:p>
             <a:r>
-              <a:rPr lang="en-US" dirty="0">
+              <a:rPr lang="en-US">
                 <a:ea typeface="Calibri Light"/>
                 <a:cs typeface="Calibri Light"/>
               </a:rPr>
@@ -5963,7 +6010,7 @@
           </a:p>
           <a:p>
             <a:r>
-              <a:rPr lang="en-US" dirty="0">
+              <a:rPr lang="en-US">
                 <a:ea typeface="Calibri Light"/>
                 <a:cs typeface="Calibri Light"/>
               </a:rPr>
@@ -6062,77 +6109,100 @@
               <a:buChar char="•"/>
             </a:pPr>
             <a:r>
+              <a:rPr lang="en-US" dirty="0">
+                <a:ea typeface="Calibri Light" panose="020F0302020204030204"/>
+                <a:cs typeface="Calibri Light" panose="020F0302020204030204"/>
+              </a:rPr>
+              <a:t>The data analyzed was linked through Data.gov</a:t>
+            </a:r>
+          </a:p>
+          <a:p>
+            <a:pPr marL="800100" lvl="2">
+              <a:buFont typeface="Wingdings" pitchFamily="34" charset="0"/>
+              <a:buChar char="§"/>
+            </a:pPr>
+            <a:r>
+              <a:rPr lang="en-US" i="0" dirty="0">
+                <a:ea typeface="+mn-lt"/>
+                <a:cs typeface="+mn-lt"/>
+              </a:rPr>
+              <a:t>https://www.ers.usda.gov/data-products/u-s-food-imports/ </a:t>
+            </a:r>
+          </a:p>
+          <a:p>
+            <a:pPr marL="342900" indent="-342900">
+              <a:buFont typeface="Arial" pitchFamily="34" charset="0"/>
+              <a:buChar char="•"/>
+            </a:pPr>
+            <a:r>
+              <a:rPr lang="en-US" dirty="0">
+                <a:ea typeface="Calibri Light" panose="020F0302020204030204"/>
+                <a:cs typeface="Calibri Light" panose="020F0302020204030204"/>
+              </a:rPr>
+              <a:t>The data is a summary on annual food imports by category and country.</a:t>
+            </a:r>
+          </a:p>
+          <a:p>
+            <a:pPr marL="342900" indent="-342900">
+              <a:buFont typeface="Arial" pitchFamily="34" charset="0"/>
+              <a:buChar char="•"/>
+            </a:pPr>
+            <a:r>
+              <a:rPr lang="en-US" dirty="0">
+                <a:ea typeface="Calibri Light" panose="020F0302020204030204"/>
+                <a:cs typeface="Calibri Light" panose="020F0302020204030204"/>
+              </a:rPr>
+              <a:t>The data file provided and downloaded was an excel file (.xlsx).</a:t>
+            </a:r>
+          </a:p>
+          <a:p>
+            <a:pPr marL="342900" indent="-342900">
+              <a:buFont typeface="Arial" pitchFamily="34" charset="0"/>
+              <a:buChar char="•"/>
+            </a:pPr>
+            <a:r>
+              <a:rPr lang="en-US" dirty="0">
+                <a:ea typeface="Calibri Light" panose="020F0302020204030204"/>
+                <a:cs typeface="Calibri Light" panose="020F0302020204030204"/>
+              </a:rPr>
+              <a:t>There were several data sets in the file and I chose to focus on the U.S. imports of fish and shellfish sheet.</a:t>
+            </a:r>
+          </a:p>
+          <a:p>
+            <a:pPr marL="342900" indent="-342900">
+              <a:buFont typeface="Arial" pitchFamily="34" charset="0"/>
+              <a:buChar char="•"/>
+            </a:pPr>
+            <a:r>
+              <a:rPr lang="en-US" dirty="0">
+                <a:ea typeface="Calibri Light" panose="020F0302020204030204"/>
+                <a:cs typeface="Calibri Light" panose="020F0302020204030204"/>
+              </a:rPr>
+              <a:t>PowerPoint is my documentation tool.</a:t>
+            </a:r>
+          </a:p>
+          <a:p>
+            <a:pPr marL="342900" indent="-342900">
+              <a:buChar char="•"/>
+            </a:pPr>
+            <a:r>
+              <a:rPr lang="en-US" dirty="0">
+                <a:ea typeface="Calibri Light" panose="020F0302020204030204"/>
+                <a:cs typeface="Calibri Light" panose="020F0302020204030204"/>
+              </a:rPr>
+              <a:t>Uploaded with </a:t>
+            </a:r>
+            <a:r>
               <a:rPr lang="en-US">
                 <a:ea typeface="Calibri Light" panose="020F0302020204030204"/>
                 <a:cs typeface="Calibri Light" panose="020F0302020204030204"/>
               </a:rPr>
-              <a:t>The data analyzed was linked through Data.gov</a:t>
-            </a:r>
-          </a:p>
-          <a:p>
-            <a:pPr marL="800100" lvl="2">
-              <a:buFont typeface="Wingdings" pitchFamily="34" charset="0"/>
-              <a:buChar char="§"/>
-            </a:pPr>
-            <a:r>
-              <a:rPr lang="en-US" i="0">
-                <a:ea typeface="+mn-lt"/>
-                <a:cs typeface="+mn-lt"/>
-              </a:rPr>
-              <a:t>https://www.ers.usda.gov/data-products/u-s-food-imports/ </a:t>
-            </a:r>
-          </a:p>
-          <a:p>
-            <a:pPr marL="342900" indent="-342900">
-              <a:buFont typeface="Arial" pitchFamily="34" charset="0"/>
-              <a:buChar char="•"/>
-            </a:pPr>
-            <a:r>
-              <a:rPr lang="en-US">
-                <a:ea typeface="Calibri Light" panose="020F0302020204030204"/>
-                <a:cs typeface="Calibri Light" panose="020F0302020204030204"/>
-              </a:rPr>
-              <a:t>The data is a summary on annual food imports by category and country.</a:t>
-            </a:r>
-          </a:p>
-          <a:p>
-            <a:pPr marL="342900" indent="-342900">
-              <a:buFont typeface="Arial" pitchFamily="34" charset="0"/>
-              <a:buChar char="•"/>
-            </a:pPr>
-            <a:r>
-              <a:rPr lang="en-US">
-                <a:ea typeface="Calibri Light" panose="020F0302020204030204"/>
-                <a:cs typeface="Calibri Light" panose="020F0302020204030204"/>
-              </a:rPr>
-              <a:t>The data file provided and downloaded was an excel file (.xlsx).</a:t>
-            </a:r>
-          </a:p>
-          <a:p>
-            <a:pPr marL="342900" indent="-342900">
-              <a:buFont typeface="Arial" pitchFamily="34" charset="0"/>
-              <a:buChar char="•"/>
-            </a:pPr>
-            <a:r>
-              <a:rPr lang="en-US">
-                <a:ea typeface="Calibri Light" panose="020F0302020204030204"/>
-                <a:cs typeface="Calibri Light" panose="020F0302020204030204"/>
-              </a:rPr>
-              <a:t>There were several data sets in the file and I chose to focus on the U.S. imports of fish and shellfish sheet.</a:t>
-            </a:r>
-          </a:p>
-          <a:p>
-            <a:pPr marL="342900" indent="-342900">
-              <a:buFont typeface="Arial" pitchFamily="34" charset="0"/>
-              <a:buChar char="•"/>
-            </a:pPr>
-            <a:r>
-              <a:rPr lang="en-US">
-                <a:ea typeface="Calibri Light" panose="020F0302020204030204"/>
-                <a:cs typeface="Calibri Light" panose="020F0302020204030204"/>
-              </a:rPr>
-              <a:t>PowerPoint is my documentation tool.</a:t>
-            </a:r>
+              <a:t>GitHub.</a:t>
+            </a:r>
+            <a:endParaRPr lang="en-US" dirty="0">
+              <a:ea typeface="Calibri Light" panose="020F0302020204030204"/>
+              <a:cs typeface="Calibri Light" panose="020F0302020204030204"/>
+            </a:endParaRPr>
           </a:p>
           <a:p>
             <a:pPr marL="0" indent="0">
@@ -6503,14 +6573,14 @@
               <a:buNone/>
             </a:pPr>
             <a:r>
-              <a:rPr lang="en-US" sz="2000" dirty="0">
+              <a:rPr lang="en-US" sz="2000">
                 <a:ea typeface="Calibri Light"/>
                 <a:cs typeface="Calibri Light"/>
               </a:rPr>
               <a:t>Which single country has the most fish and shellfish imports to the U.S. as of 2023?</a:t>
             </a:r>
             <a:r>
-              <a:rPr lang="en-US" sz="2000" dirty="0">
+              <a:rPr lang="en-US" sz="2000">
                 <a:solidFill>
                   <a:srgbClr val="000000"/>
                 </a:solidFill>
@@ -6519,14 +6589,14 @@
               </a:rPr>
               <a:t> </a:t>
             </a:r>
-            <a:endParaRPr lang="en-US" dirty="0">
+            <a:endParaRPr lang="en-US">
               <a:ea typeface="Calibri Light" panose="020F0302020204030204"/>
               <a:cs typeface="Calibri Light" panose="020F0302020204030204"/>
             </a:endParaRPr>
           </a:p>
           <a:p>
             <a:r>
-              <a:rPr lang="en-US" sz="2000" i="0" dirty="0">
+              <a:rPr lang="en-US" sz="2000" i="0">
                 <a:solidFill>
                   <a:srgbClr val="000000"/>
                 </a:solidFill>
@@ -6540,7 +6610,7 @@
             <a:pPr marL="0" indent="0">
               <a:buNone/>
             </a:pPr>
-            <a:endParaRPr lang="en-US" sz="2000" dirty="0">
+            <a:endParaRPr lang="en-US" sz="2000">
               <a:solidFill>
                 <a:srgbClr val="000000"/>
               </a:solidFill>
@@ -6553,7 +6623,7 @@
               <a:buNone/>
             </a:pPr>
             <a:r>
-              <a:rPr lang="en-US" sz="2000" dirty="0">
+              <a:rPr lang="en-US" sz="2000">
                 <a:solidFill>
                   <a:srgbClr val="262626"/>
                 </a:solidFill>
@@ -6563,7 +6633,7 @@
               <a:t>Have fish and shellfish U.S. imports increased between 1999 – 2023?</a:t>
             </a:r>
             <a:r>
-              <a:rPr lang="en-US" sz="2000" dirty="0">
+              <a:rPr lang="en-US" sz="2000">
                 <a:solidFill>
                   <a:srgbClr val="000000"/>
                 </a:solidFill>
@@ -6575,7 +6645,7 @@
           </a:p>
           <a:p>
             <a:r>
-              <a:rPr lang="en-US" sz="2000" i="0" dirty="0">
+              <a:rPr lang="en-US" sz="2000" i="0">
                 <a:solidFill>
                   <a:srgbClr val="000000"/>
                 </a:solidFill>
@@ -6589,7 +6659,7 @@
             <a:pPr marL="0" indent="0">
               <a:buNone/>
             </a:pPr>
-            <a:endParaRPr lang="en-US" sz="2000" dirty="0">
+            <a:endParaRPr lang="en-US" sz="2000">
               <a:solidFill>
                 <a:srgbClr val="000000"/>
               </a:solidFill>
@@ -6602,7 +6672,7 @@
               <a:buNone/>
             </a:pPr>
             <a:r>
-              <a:rPr lang="en-US" sz="2000" dirty="0">
+              <a:rPr lang="en-US" sz="2000">
                 <a:solidFill>
                   <a:srgbClr val="000000"/>
                 </a:solidFill>
@@ -6614,14 +6684,14 @@
           </a:p>
           <a:p>
             <a:r>
-              <a:rPr lang="en-US" sz="2000" dirty="0">
+              <a:rPr lang="en-US" sz="2000">
                 <a:solidFill>
                   <a:srgbClr val="000000"/>
                 </a:solidFill>
                 <a:ea typeface="Calibri Light"/>
                 <a:cs typeface="Calibri Light"/>
               </a:rPr>
-              <a:t>Yes, Canada's imports spiked in 2021 most likely due to the pandemic restricting imports from other       countries.</a:t>
+              <a:t>Yes, Canada's imports spiked in 2021 most likely due to the pandemic restricting imports from other countries.</a:t>
             </a:r>
           </a:p>
         </p:txBody>
